--- a/系统仿真-1-概述.pptx
+++ b/系统仿真-1-概述.pptx
@@ -5,10 +5,10 @@
     <p:sldMasterId id="2147483648" r:id="rId9"/>
   </p:sldMasterIdLst>
   <p:notesMasterIdLst>
-    <p:notesMasterId r:id="rId28"/>
+    <p:notesMasterId r:id="rId29"/>
   </p:notesMasterIdLst>
   <p:handoutMasterIdLst>
-    <p:handoutMasterId r:id="rId29"/>
+    <p:handoutMasterId r:id="rId30"/>
   </p:handoutMasterIdLst>
   <p:sldIdLst>
     <p:sldId id="256" r:id="rId10"/>
@@ -29,6 +29,7 @@
     <p:sldId id="280" r:id="rId25"/>
     <p:sldId id="290" r:id="rId26"/>
     <p:sldId id="293" r:id="rId27"/>
+    <p:sldId id="300" r:id="rId28"/>
   </p:sldIdLst>
   <p:sldSz cx="12188825" cy="6858000"/>
   <p:notesSz cx="6858000" cy="9144000"/>
@@ -3233,6 +3234,13 @@
         </dgm:presLayoutVars>
       </dgm:prSet>
       <dgm:spPr/>
+      <dgm:t>
+        <a:bodyPr/>
+        <a:lstStyle/>
+        <a:p>
+          <a:endParaRPr lang="zh-CN" altLang="en-US"/>
+        </a:p>
+      </dgm:t>
     </dgm:pt>
     <dgm:pt modelId="{32137008-DF26-4F7C-9E84-958CAF624BAC}" type="pres">
       <dgm:prSet presAssocID="{F42053A0-2E0C-438F-8B25-09F53898FC44}" presName="arrowNode" presStyleLbl="node1" presStyleIdx="0" presStyleCnt="1"/>
@@ -3260,6 +3268,13 @@
         </dgm:presLayoutVars>
       </dgm:prSet>
       <dgm:spPr/>
+      <dgm:t>
+        <a:bodyPr/>
+        <a:lstStyle/>
+        <a:p>
+          <a:endParaRPr lang="zh-CN" altLang="en-US"/>
+        </a:p>
+      </dgm:t>
     </dgm:pt>
     <dgm:pt modelId="{9E0B72F8-EA3F-485A-978D-4F39CEAD9D1F}" type="pres">
       <dgm:prSet presAssocID="{921967AD-AF8C-4EFD-A5B3-4F18E3BF47F9}" presName="dotNode2" presStyleCnt="0"/>
@@ -3268,6 +3283,13 @@
     <dgm:pt modelId="{020496AC-EC4A-46C3-BA2C-190ADB21F17E}" type="pres">
       <dgm:prSet presAssocID="{921967AD-AF8C-4EFD-A5B3-4F18E3BF47F9}" presName="dotRepeatNode" presStyleLbl="fgShp" presStyleIdx="0" presStyleCnt="3"/>
       <dgm:spPr/>
+      <dgm:t>
+        <a:bodyPr/>
+        <a:lstStyle/>
+        <a:p>
+          <a:endParaRPr lang="zh-CN" altLang="en-US"/>
+        </a:p>
+      </dgm:t>
     </dgm:pt>
     <dgm:pt modelId="{0CB18835-F0EA-43C6-8F84-2D16EC663622}" type="pres">
       <dgm:prSet presAssocID="{33D058B0-AF1A-4545-8254-647E1F96C358}" presName="txNode3" presStyleLbl="revTx" presStyleIdx="2" presStyleCnt="5">
@@ -3276,6 +3298,13 @@
         </dgm:presLayoutVars>
       </dgm:prSet>
       <dgm:spPr/>
+      <dgm:t>
+        <a:bodyPr/>
+        <a:lstStyle/>
+        <a:p>
+          <a:endParaRPr lang="zh-CN" altLang="en-US"/>
+        </a:p>
+      </dgm:t>
     </dgm:pt>
     <dgm:pt modelId="{07DB7240-CD66-43F4-9553-BC5318674AB3}" type="pres">
       <dgm:prSet presAssocID="{39261B84-09BC-427A-B46D-A9D4B372C4BA}" presName="dotNode3" presStyleCnt="0"/>
@@ -3284,6 +3313,13 @@
     <dgm:pt modelId="{4C73C80A-F47D-4F43-A047-F368F85658C4}" type="pres">
       <dgm:prSet presAssocID="{39261B84-09BC-427A-B46D-A9D4B372C4BA}" presName="dotRepeatNode" presStyleLbl="fgShp" presStyleIdx="1" presStyleCnt="3"/>
       <dgm:spPr/>
+      <dgm:t>
+        <a:bodyPr/>
+        <a:lstStyle/>
+        <a:p>
+          <a:endParaRPr lang="zh-CN" altLang="en-US"/>
+        </a:p>
+      </dgm:t>
     </dgm:pt>
     <dgm:pt modelId="{11548969-3189-4D4F-9E3A-E4E64AE9B424}" type="pres">
       <dgm:prSet presAssocID="{FDD9E2F7-7260-4C21-9F87-E0AE2E4F97E7}" presName="txNode4" presStyleLbl="revTx" presStyleIdx="3" presStyleCnt="5">
@@ -3292,6 +3328,13 @@
         </dgm:presLayoutVars>
       </dgm:prSet>
       <dgm:spPr/>
+      <dgm:t>
+        <a:bodyPr/>
+        <a:lstStyle/>
+        <a:p>
+          <a:endParaRPr lang="zh-CN" altLang="en-US"/>
+        </a:p>
+      </dgm:t>
     </dgm:pt>
     <dgm:pt modelId="{36CD1CE5-6C17-4B66-AB65-26EDBA02B313}" type="pres">
       <dgm:prSet presAssocID="{160114D0-4F79-46CA-92D8-CB6A7AA9E6A1}" presName="dotNode4" presStyleCnt="0"/>
@@ -3300,6 +3343,13 @@
     <dgm:pt modelId="{434A2FDB-761D-490A-893A-E7CA121C9548}" type="pres">
       <dgm:prSet presAssocID="{160114D0-4F79-46CA-92D8-CB6A7AA9E6A1}" presName="dotRepeatNode" presStyleLbl="fgShp" presStyleIdx="2" presStyleCnt="3"/>
       <dgm:spPr/>
+      <dgm:t>
+        <a:bodyPr/>
+        <a:lstStyle/>
+        <a:p>
+          <a:endParaRPr lang="zh-CN" altLang="en-US"/>
+        </a:p>
+      </dgm:t>
     </dgm:pt>
     <dgm:pt modelId="{8ED196BC-4B7D-4C62-AC3C-2860CF23AA55}" type="pres">
       <dgm:prSet presAssocID="{09115D2E-19A9-401E-AC73-2D5B83B850A7}" presName="txNode5" presStyleLbl="revTx" presStyleIdx="4" presStyleCnt="5">
@@ -3308,6 +3358,13 @@
         </dgm:presLayoutVars>
       </dgm:prSet>
       <dgm:spPr/>
+      <dgm:t>
+        <a:bodyPr/>
+        <a:lstStyle/>
+        <a:p>
+          <a:endParaRPr lang="zh-CN" altLang="en-US"/>
+        </a:p>
+      </dgm:t>
     </dgm:pt>
   </dgm:ptLst>
   <dgm:cxnLst>
@@ -3317,13 +3374,13 @@
     <dgm:cxn modelId="{4E53AD88-B7C0-4BD1-85DB-36A3739F895A}" srcId="{F42053A0-2E0C-438F-8B25-09F53898FC44}" destId="{2C2F0703-F683-452D-BD15-39D4E904FD46}" srcOrd="0" destOrd="0" parTransId="{35F1E623-4D9E-4245-B0CC-B3E6C1C8D05A}" sibTransId="{338B6317-A52D-4C21-B6C7-5A500FAC703E}"/>
     <dgm:cxn modelId="{C6C922AE-068C-4CCA-9F35-6800237E1C0F}" srcId="{F42053A0-2E0C-438F-8B25-09F53898FC44}" destId="{09115D2E-19A9-401E-AC73-2D5B83B850A7}" srcOrd="4" destOrd="0" parTransId="{2F6E9D3C-DC08-4494-9339-C319CB4DF4C0}" sibTransId="{9C27D0B3-B6CF-41F0-8667-FD61E8C345B5}"/>
     <dgm:cxn modelId="{031288C3-7716-4133-88CF-D56FB8082D29}" type="presOf" srcId="{921967AD-AF8C-4EFD-A5B3-4F18E3BF47F9}" destId="{020496AC-EC4A-46C3-BA2C-190ADB21F17E}" srcOrd="0" destOrd="0" presId="urn:microsoft.com/office/officeart/2009/3/layout/DescendingProcess"/>
+    <dgm:cxn modelId="{BA256B18-B8C1-4C54-823F-277EA9C6FD5B}" type="presOf" srcId="{FDD9E2F7-7260-4C21-9F87-E0AE2E4F97E7}" destId="{11548969-3189-4D4F-9E3A-E4E64AE9B424}" srcOrd="0" destOrd="0" presId="urn:microsoft.com/office/officeart/2009/3/layout/DescendingProcess"/>
     <dgm:cxn modelId="{C37A8D7D-DCAD-44D4-B74D-F106A995A4FE}" type="presOf" srcId="{33D058B0-AF1A-4545-8254-647E1F96C358}" destId="{0CB18835-F0EA-43C6-8F84-2D16EC663622}" srcOrd="0" destOrd="0" presId="urn:microsoft.com/office/officeart/2009/3/layout/DescendingProcess"/>
-    <dgm:cxn modelId="{BA256B18-B8C1-4C54-823F-277EA9C6FD5B}" type="presOf" srcId="{FDD9E2F7-7260-4C21-9F87-E0AE2E4F97E7}" destId="{11548969-3189-4D4F-9E3A-E4E64AE9B424}" srcOrd="0" destOrd="0" presId="urn:microsoft.com/office/officeart/2009/3/layout/DescendingProcess"/>
     <dgm:cxn modelId="{6A0AF445-DCC3-43E5-A91D-350B8D8230C7}" srcId="{F42053A0-2E0C-438F-8B25-09F53898FC44}" destId="{EE4991FA-2E0E-4973-833D-C05F941760B0}" srcOrd="1" destOrd="0" parTransId="{15F53F00-A6CD-4941-A868-EF34E7D204EB}" sibTransId="{921967AD-AF8C-4EFD-A5B3-4F18E3BF47F9}"/>
     <dgm:cxn modelId="{54A95BA5-D737-4307-9C87-525B88D18392}" srcId="{F42053A0-2E0C-438F-8B25-09F53898FC44}" destId="{FDD9E2F7-7260-4C21-9F87-E0AE2E4F97E7}" srcOrd="3" destOrd="0" parTransId="{B09BB190-23A9-423D-A7CE-1E0013C25C85}" sibTransId="{160114D0-4F79-46CA-92D8-CB6A7AA9E6A1}"/>
     <dgm:cxn modelId="{87EEC7AB-6006-45E7-991D-86138BD1AA0F}" type="presOf" srcId="{09115D2E-19A9-401E-AC73-2D5B83B850A7}" destId="{8ED196BC-4B7D-4C62-AC3C-2860CF23AA55}" srcOrd="0" destOrd="0" presId="urn:microsoft.com/office/officeart/2009/3/layout/DescendingProcess"/>
+    <dgm:cxn modelId="{F788E29D-165B-4D1C-932F-D67BD52AFFB7}" type="presOf" srcId="{F42053A0-2E0C-438F-8B25-09F53898FC44}" destId="{4F2EAB28-F0FE-446D-A0EB-86524D1D905F}" srcOrd="0" destOrd="0" presId="urn:microsoft.com/office/officeart/2009/3/layout/DescendingProcess"/>
     <dgm:cxn modelId="{D3696CE6-0047-4476-A019-ACB97DC459EE}" srcId="{F42053A0-2E0C-438F-8B25-09F53898FC44}" destId="{33D058B0-AF1A-4545-8254-647E1F96C358}" srcOrd="2" destOrd="0" parTransId="{28007EED-A681-45CC-A4AF-6E560D034A52}" sibTransId="{39261B84-09BC-427A-B46D-A9D4B372C4BA}"/>
-    <dgm:cxn modelId="{F788E29D-165B-4D1C-932F-D67BD52AFFB7}" type="presOf" srcId="{F42053A0-2E0C-438F-8B25-09F53898FC44}" destId="{4F2EAB28-F0FE-446D-A0EB-86524D1D905F}" srcOrd="0" destOrd="0" presId="urn:microsoft.com/office/officeart/2009/3/layout/DescendingProcess"/>
     <dgm:cxn modelId="{0264F89A-6E0B-4A09-953C-0CE38665265E}" type="presOf" srcId="{160114D0-4F79-46CA-92D8-CB6A7AA9E6A1}" destId="{434A2FDB-761D-490A-893A-E7CA121C9548}" srcOrd="0" destOrd="0" presId="urn:microsoft.com/office/officeart/2009/3/layout/DescendingProcess"/>
     <dgm:cxn modelId="{4A24E00A-D8EA-46BB-9171-7B924297BCDF}" type="presParOf" srcId="{4F2EAB28-F0FE-446D-A0EB-86524D1D905F}" destId="{32137008-DF26-4F7C-9E84-958CAF624BAC}" srcOrd="0" destOrd="0" presId="urn:microsoft.com/office/officeart/2009/3/layout/DescendingProcess"/>
     <dgm:cxn modelId="{43453D9B-0A5D-4AC5-B129-CB6352F2FC46}" type="presParOf" srcId="{4F2EAB28-F0FE-446D-A0EB-86524D1D905F}" destId="{5D3A7007-C773-4763-83A5-DC016F6D79B3}" srcOrd="1" destOrd="0" presId="urn:microsoft.com/office/officeart/2009/3/layout/DescendingProcess"/>
@@ -3555,6 +3612,13 @@
         </dgm:presLayoutVars>
       </dgm:prSet>
       <dgm:spPr/>
+      <dgm:t>
+        <a:bodyPr/>
+        <a:lstStyle/>
+        <a:p>
+          <a:endParaRPr lang="zh-CN" altLang="en-US"/>
+        </a:p>
+      </dgm:t>
     </dgm:pt>
     <dgm:pt modelId="{32137008-DF26-4F7C-9E84-958CAF624BAC}" type="pres">
       <dgm:prSet presAssocID="{F42053A0-2E0C-438F-8B25-09F53898FC44}" presName="arrowNode" presStyleLbl="node1" presStyleIdx="0" presStyleCnt="1"/>
@@ -3582,6 +3646,13 @@
         </dgm:presLayoutVars>
       </dgm:prSet>
       <dgm:spPr/>
+      <dgm:t>
+        <a:bodyPr/>
+        <a:lstStyle/>
+        <a:p>
+          <a:endParaRPr lang="zh-CN" altLang="en-US"/>
+        </a:p>
+      </dgm:t>
     </dgm:pt>
     <dgm:pt modelId="{9E0B72F8-EA3F-485A-978D-4F39CEAD9D1F}" type="pres">
       <dgm:prSet presAssocID="{921967AD-AF8C-4EFD-A5B3-4F18E3BF47F9}" presName="dotNode2" presStyleCnt="0"/>
@@ -3590,6 +3661,13 @@
     <dgm:pt modelId="{020496AC-EC4A-46C3-BA2C-190ADB21F17E}" type="pres">
       <dgm:prSet presAssocID="{921967AD-AF8C-4EFD-A5B3-4F18E3BF47F9}" presName="dotRepeatNode" presStyleLbl="fgShp" presStyleIdx="0" presStyleCnt="3"/>
       <dgm:spPr/>
+      <dgm:t>
+        <a:bodyPr/>
+        <a:lstStyle/>
+        <a:p>
+          <a:endParaRPr lang="zh-CN" altLang="en-US"/>
+        </a:p>
+      </dgm:t>
     </dgm:pt>
     <dgm:pt modelId="{0CB18835-F0EA-43C6-8F84-2D16EC663622}" type="pres">
       <dgm:prSet presAssocID="{33D058B0-AF1A-4545-8254-647E1F96C358}" presName="txNode3" presStyleLbl="revTx" presStyleIdx="2" presStyleCnt="5">
@@ -3613,6 +3691,13 @@
     <dgm:pt modelId="{4C73C80A-F47D-4F43-A047-F368F85658C4}" type="pres">
       <dgm:prSet presAssocID="{39261B84-09BC-427A-B46D-A9D4B372C4BA}" presName="dotRepeatNode" presStyleLbl="fgShp" presStyleIdx="1" presStyleCnt="3"/>
       <dgm:spPr/>
+      <dgm:t>
+        <a:bodyPr/>
+        <a:lstStyle/>
+        <a:p>
+          <a:endParaRPr lang="zh-CN" altLang="en-US"/>
+        </a:p>
+      </dgm:t>
     </dgm:pt>
     <dgm:pt modelId="{11548969-3189-4D4F-9E3A-E4E64AE9B424}" type="pres">
       <dgm:prSet presAssocID="{FDD9E2F7-7260-4C21-9F87-E0AE2E4F97E7}" presName="txNode4" presStyleLbl="revTx" presStyleIdx="3" presStyleCnt="5">
@@ -3636,6 +3721,13 @@
     <dgm:pt modelId="{434A2FDB-761D-490A-893A-E7CA121C9548}" type="pres">
       <dgm:prSet presAssocID="{160114D0-4F79-46CA-92D8-CB6A7AA9E6A1}" presName="dotRepeatNode" presStyleLbl="fgShp" presStyleIdx="2" presStyleCnt="3"/>
       <dgm:spPr/>
+      <dgm:t>
+        <a:bodyPr/>
+        <a:lstStyle/>
+        <a:p>
+          <a:endParaRPr lang="zh-CN" altLang="en-US"/>
+        </a:p>
+      </dgm:t>
     </dgm:pt>
     <dgm:pt modelId="{8ED196BC-4B7D-4C62-AC3C-2860CF23AA55}" type="pres">
       <dgm:prSet presAssocID="{09115D2E-19A9-401E-AC73-2D5B83B850A7}" presName="txNode5" presStyleLbl="revTx" presStyleIdx="4" presStyleCnt="5">
@@ -3644,6 +3736,13 @@
         </dgm:presLayoutVars>
       </dgm:prSet>
       <dgm:spPr/>
+      <dgm:t>
+        <a:bodyPr/>
+        <a:lstStyle/>
+        <a:p>
+          <a:endParaRPr lang="zh-CN" altLang="en-US"/>
+        </a:p>
+      </dgm:t>
     </dgm:pt>
   </dgm:ptLst>
   <dgm:cxnLst>
@@ -3653,13 +3752,13 @@
     <dgm:cxn modelId="{4E53AD88-B7C0-4BD1-85DB-36A3739F895A}" srcId="{F42053A0-2E0C-438F-8B25-09F53898FC44}" destId="{2C2F0703-F683-452D-BD15-39D4E904FD46}" srcOrd="0" destOrd="0" parTransId="{35F1E623-4D9E-4245-B0CC-B3E6C1C8D05A}" sibTransId="{338B6317-A52D-4C21-B6C7-5A500FAC703E}"/>
     <dgm:cxn modelId="{C6C922AE-068C-4CCA-9F35-6800237E1C0F}" srcId="{F42053A0-2E0C-438F-8B25-09F53898FC44}" destId="{09115D2E-19A9-401E-AC73-2D5B83B850A7}" srcOrd="4" destOrd="0" parTransId="{2F6E9D3C-DC08-4494-9339-C319CB4DF4C0}" sibTransId="{9C27D0B3-B6CF-41F0-8667-FD61E8C345B5}"/>
     <dgm:cxn modelId="{031288C3-7716-4133-88CF-D56FB8082D29}" type="presOf" srcId="{921967AD-AF8C-4EFD-A5B3-4F18E3BF47F9}" destId="{020496AC-EC4A-46C3-BA2C-190ADB21F17E}" srcOrd="0" destOrd="0" presId="urn:microsoft.com/office/officeart/2009/3/layout/DescendingProcess"/>
+    <dgm:cxn modelId="{BA256B18-B8C1-4C54-823F-277EA9C6FD5B}" type="presOf" srcId="{FDD9E2F7-7260-4C21-9F87-E0AE2E4F97E7}" destId="{11548969-3189-4D4F-9E3A-E4E64AE9B424}" srcOrd="0" destOrd="0" presId="urn:microsoft.com/office/officeart/2009/3/layout/DescendingProcess"/>
     <dgm:cxn modelId="{C37A8D7D-DCAD-44D4-B74D-F106A995A4FE}" type="presOf" srcId="{33D058B0-AF1A-4545-8254-647E1F96C358}" destId="{0CB18835-F0EA-43C6-8F84-2D16EC663622}" srcOrd="0" destOrd="0" presId="urn:microsoft.com/office/officeart/2009/3/layout/DescendingProcess"/>
-    <dgm:cxn modelId="{BA256B18-B8C1-4C54-823F-277EA9C6FD5B}" type="presOf" srcId="{FDD9E2F7-7260-4C21-9F87-E0AE2E4F97E7}" destId="{11548969-3189-4D4F-9E3A-E4E64AE9B424}" srcOrd="0" destOrd="0" presId="urn:microsoft.com/office/officeart/2009/3/layout/DescendingProcess"/>
     <dgm:cxn modelId="{6A0AF445-DCC3-43E5-A91D-350B8D8230C7}" srcId="{F42053A0-2E0C-438F-8B25-09F53898FC44}" destId="{EE4991FA-2E0E-4973-833D-C05F941760B0}" srcOrd="1" destOrd="0" parTransId="{15F53F00-A6CD-4941-A868-EF34E7D204EB}" sibTransId="{921967AD-AF8C-4EFD-A5B3-4F18E3BF47F9}"/>
     <dgm:cxn modelId="{54A95BA5-D737-4307-9C87-525B88D18392}" srcId="{F42053A0-2E0C-438F-8B25-09F53898FC44}" destId="{FDD9E2F7-7260-4C21-9F87-E0AE2E4F97E7}" srcOrd="3" destOrd="0" parTransId="{B09BB190-23A9-423D-A7CE-1E0013C25C85}" sibTransId="{160114D0-4F79-46CA-92D8-CB6A7AA9E6A1}"/>
     <dgm:cxn modelId="{87EEC7AB-6006-45E7-991D-86138BD1AA0F}" type="presOf" srcId="{09115D2E-19A9-401E-AC73-2D5B83B850A7}" destId="{8ED196BC-4B7D-4C62-AC3C-2860CF23AA55}" srcOrd="0" destOrd="0" presId="urn:microsoft.com/office/officeart/2009/3/layout/DescendingProcess"/>
+    <dgm:cxn modelId="{F788E29D-165B-4D1C-932F-D67BD52AFFB7}" type="presOf" srcId="{F42053A0-2E0C-438F-8B25-09F53898FC44}" destId="{4F2EAB28-F0FE-446D-A0EB-86524D1D905F}" srcOrd="0" destOrd="0" presId="urn:microsoft.com/office/officeart/2009/3/layout/DescendingProcess"/>
     <dgm:cxn modelId="{D3696CE6-0047-4476-A019-ACB97DC459EE}" srcId="{F42053A0-2E0C-438F-8B25-09F53898FC44}" destId="{33D058B0-AF1A-4545-8254-647E1F96C358}" srcOrd="2" destOrd="0" parTransId="{28007EED-A681-45CC-A4AF-6E560D034A52}" sibTransId="{39261B84-09BC-427A-B46D-A9D4B372C4BA}"/>
-    <dgm:cxn modelId="{F788E29D-165B-4D1C-932F-D67BD52AFFB7}" type="presOf" srcId="{F42053A0-2E0C-438F-8B25-09F53898FC44}" destId="{4F2EAB28-F0FE-446D-A0EB-86524D1D905F}" srcOrd="0" destOrd="0" presId="urn:microsoft.com/office/officeart/2009/3/layout/DescendingProcess"/>
     <dgm:cxn modelId="{0264F89A-6E0B-4A09-953C-0CE38665265E}" type="presOf" srcId="{160114D0-4F79-46CA-92D8-CB6A7AA9E6A1}" destId="{434A2FDB-761D-490A-893A-E7CA121C9548}" srcOrd="0" destOrd="0" presId="urn:microsoft.com/office/officeart/2009/3/layout/DescendingProcess"/>
     <dgm:cxn modelId="{4A24E00A-D8EA-46BB-9171-7B924297BCDF}" type="presParOf" srcId="{4F2EAB28-F0FE-446D-A0EB-86524D1D905F}" destId="{32137008-DF26-4F7C-9E84-958CAF624BAC}" srcOrd="0" destOrd="0" presId="urn:microsoft.com/office/officeart/2009/3/layout/DescendingProcess"/>
     <dgm:cxn modelId="{43453D9B-0A5D-4AC5-B129-CB6352F2FC46}" type="presParOf" srcId="{4F2EAB28-F0FE-446D-A0EB-86524D1D905F}" destId="{5D3A7007-C773-4763-83A5-DC016F6D79B3}" srcOrd="1" destOrd="0" presId="urn:microsoft.com/office/officeart/2009/3/layout/DescendingProcess"/>
@@ -20132,16 +20231,7 @@
                   </a:solidFill>
                   <a:latin typeface="Segoe"/>
                 </a:rPr>
-                <a:t>,2013</a:t>
-              </a:r>
-              <a:r>
-                <a:rPr lang="en-US" altLang="zh-CN" sz="1400" kern="0" dirty="0" smtClean="0">
-                  <a:solidFill>
-                    <a:srgbClr val="232323"/>
-                  </a:solidFill>
-                  <a:latin typeface="Segoe"/>
-                </a:rPr>
-                <a:t>.</a:t>
+                <a:t>,2013.</a:t>
               </a:r>
               <a:r>
                 <a:rPr kumimoji="0" lang="zh-CN" altLang="en-US" sz="1400" b="0" i="0" u="none" strike="noStrike" kern="0" cap="none" spc="0" normalizeH="0" baseline="0" noProof="0" dirty="0" smtClean="0">
@@ -23294,6 +23384,163 @@
 </p:sld>
 </file>
 
+<file path=ppt/slides/slide19.xml><?xml version="1.0" encoding="utf-8"?>
+<p:sld xmlns:a="http://schemas.openxmlformats.org/drawingml/2006/main" xmlns:r="http://schemas.openxmlformats.org/officeDocument/2006/relationships" xmlns:p="http://schemas.openxmlformats.org/presentationml/2006/main">
+  <p:cSld>
+    <p:spTree>
+      <p:nvGrpSpPr>
+        <p:cNvPr id="1" name=""/>
+        <p:cNvGrpSpPr/>
+        <p:nvPr/>
+      </p:nvGrpSpPr>
+      <p:grpSpPr>
+        <a:xfrm>
+          <a:off x="0" y="0"/>
+          <a:ext cx="0" cy="0"/>
+          <a:chOff x="0" y="0"/>
+          <a:chExt cx="0" cy="0"/>
+        </a:xfrm>
+      </p:grpSpPr>
+      <p:sp>
+        <p:nvSpPr>
+          <p:cNvPr id="2" name="标题 1"/>
+          <p:cNvSpPr>
+            <a:spLocks noGrp="1"/>
+          </p:cNvSpPr>
+          <p:nvPr>
+            <p:ph type="title"/>
+          </p:nvPr>
+        </p:nvSpPr>
+        <p:spPr/>
+        <p:txBody>
+          <a:bodyPr/>
+          <a:lstStyle/>
+          <a:p>
+            <a:r>
+              <a:rPr lang="zh-CN" altLang="en-US" dirty="0" smtClean="0"/>
+              <a:t>任务：安装软件</a:t>
+            </a:r>
+            <a:endParaRPr lang="zh-CN" altLang="en-US" dirty="0"/>
+          </a:p>
+        </p:txBody>
+      </p:sp>
+      <p:sp>
+        <p:nvSpPr>
+          <p:cNvPr id="3" name="内容占位符 2"/>
+          <p:cNvSpPr>
+            <a:spLocks noGrp="1"/>
+          </p:cNvSpPr>
+          <p:nvPr>
+            <p:ph idx="1"/>
+          </p:nvPr>
+        </p:nvSpPr>
+        <p:spPr/>
+        <p:txBody>
+          <a:bodyPr/>
+          <a:lstStyle/>
+          <a:p>
+            <a:r>
+              <a:rPr lang="zh-CN" altLang="en-US" dirty="0" smtClean="0"/>
+              <a:t>教学软件</a:t>
+            </a:r>
+            <a:endParaRPr lang="en-US" altLang="zh-CN" dirty="0" smtClean="0"/>
+          </a:p>
+          <a:p>
+            <a:pPr lvl="1"/>
+            <a:r>
+              <a:rPr lang="en-US" altLang="zh-CN" dirty="0" err="1" smtClean="0"/>
+              <a:t>Vensim</a:t>
+            </a:r>
+            <a:endParaRPr lang="en-US" altLang="zh-CN" dirty="0" smtClean="0"/>
+          </a:p>
+          <a:p>
+            <a:pPr lvl="1"/>
+            <a:r>
+              <a:rPr lang="en-US" altLang="zh-CN" dirty="0" err="1" smtClean="0"/>
+              <a:t>Ithink</a:t>
+            </a:r>
+            <a:endParaRPr lang="en-US" altLang="zh-CN" dirty="0" smtClean="0"/>
+          </a:p>
+          <a:p>
+            <a:r>
+              <a:rPr lang="zh-CN" altLang="en-US" dirty="0" smtClean="0"/>
+              <a:t>运行一个简单模型</a:t>
+            </a:r>
+            <a:endParaRPr lang="en-US" altLang="zh-CN" dirty="0" smtClean="0"/>
+          </a:p>
+          <a:p>
+            <a:pPr marL="365760" lvl="1" indent="0">
+              <a:buNone/>
+            </a:pPr>
+            <a:r>
+              <a:rPr lang="zh-CN" altLang="en-US" dirty="0" smtClean="0"/>
+              <a:t>问题：</a:t>
+            </a:r>
+            <a:endParaRPr lang="en-US" altLang="zh-CN" dirty="0" smtClean="0"/>
+          </a:p>
+          <a:p>
+            <a:pPr marL="365760" lvl="1" indent="0">
+              <a:buNone/>
+            </a:pPr>
+            <a:r>
+              <a:rPr lang="zh-CN" altLang="en-US" dirty="0" smtClean="0"/>
+              <a:t>某水池原始蓄水</a:t>
+            </a:r>
+            <a:r>
+              <a:rPr lang="en-US" altLang="zh-CN" dirty="0" smtClean="0"/>
+              <a:t>10L</a:t>
+            </a:r>
+            <a:r>
+              <a:rPr lang="zh-CN" altLang="en-US" dirty="0" smtClean="0"/>
+              <a:t>，水管以每秒</a:t>
+            </a:r>
+            <a:r>
+              <a:rPr lang="en-US" altLang="zh-CN" dirty="0" smtClean="0"/>
+              <a:t>0.1L</a:t>
+            </a:r>
+            <a:r>
+              <a:rPr lang="zh-CN" altLang="en-US" dirty="0" smtClean="0"/>
+              <a:t>的速度往水池中蓄水</a:t>
+            </a:r>
+            <a:endParaRPr lang="en-US" altLang="zh-CN" dirty="0" smtClean="0"/>
+          </a:p>
+          <a:p>
+            <a:pPr marL="365760" lvl="1" indent="0">
+              <a:buNone/>
+            </a:pPr>
+            <a:r>
+              <a:rPr lang="zh-CN" altLang="en-US" dirty="0" smtClean="0"/>
+              <a:t>用软件模仿出一段时间内水池蓄水量变化</a:t>
+            </a:r>
+            <a:endParaRPr lang="zh-CN" altLang="en-US" dirty="0"/>
+          </a:p>
+        </p:txBody>
+      </p:sp>
+    </p:spTree>
+    <p:extLst>
+      <p:ext uri="{BB962C8B-B14F-4D97-AF65-F5344CB8AC3E}">
+        <p14:creationId xmlns:p14="http://schemas.microsoft.com/office/powerpoint/2010/main" val="208959247"/>
+      </p:ext>
+    </p:extLst>
+  </p:cSld>
+  <p:clrMapOvr>
+    <a:masterClrMapping/>
+  </p:clrMapOvr>
+  <mc:AlternateContent xmlns:mc="http://schemas.openxmlformats.org/markup-compatibility/2006" xmlns:p14="http://schemas.microsoft.com/office/powerpoint/2010/main">
+    <mc:Choice Requires="p14">
+      <p:transition spd="med" p14:dur="700">
+        <p:fade/>
+      </p:transition>
+    </mc:Choice>
+    <mc:Fallback xmlns="">
+      <p:transition spd="med">
+        <p:fade/>
+      </p:transition>
+    </mc:Fallback>
+  </mc:AlternateContent>
+</p:sld>
+</file>
+
 <file path=ppt/slides/slide2.xml><?xml version="1.0" encoding="utf-8"?>
 <p:sld xmlns:a="http://schemas.openxmlformats.org/drawingml/2006/main" xmlns:r="http://schemas.openxmlformats.org/officeDocument/2006/relationships" xmlns:p="http://schemas.openxmlformats.org/presentationml/2006/main">
   <p:cSld>
@@ -23363,19 +23610,11 @@
           <a:p>
             <a:r>
               <a:rPr lang="zh-CN" altLang="en-US" dirty="0" smtClean="0"/>
-              <a:t>考试成绩</a:t>
-            </a:r>
-            <a:r>
-              <a:rPr lang="zh-CN" altLang="en-US" dirty="0" smtClean="0"/>
-              <a:t>占</a:t>
+              <a:t>考试成绩占</a:t>
             </a:r>
             <a:r>
               <a:rPr lang="en-US" altLang="zh-CN" dirty="0" smtClean="0"/>
-              <a:t>60-70</a:t>
-            </a:r>
-            <a:r>
-              <a:rPr lang="en-US" altLang="zh-CN" dirty="0" smtClean="0"/>
-              <a:t>%</a:t>
+              <a:t>60-70%</a:t>
             </a:r>
           </a:p>
           <a:p>
@@ -23402,19 +23641,7 @@
           <a:p>
             <a:r>
               <a:rPr lang="zh-CN" altLang="en-US" dirty="0" smtClean="0"/>
-              <a:t>侧重</a:t>
-            </a:r>
-            <a:r>
-              <a:rPr lang="zh-CN" altLang="en-US" dirty="0" smtClean="0"/>
-              <a:t>动手</a:t>
-            </a:r>
-            <a:r>
-              <a:rPr lang="zh-CN" altLang="en-US" dirty="0" smtClean="0"/>
-              <a:t>能力</a:t>
-            </a:r>
-            <a:r>
-              <a:rPr lang="zh-CN" altLang="en-US" dirty="0" smtClean="0"/>
-              <a:t>，要求作出明确结果</a:t>
+              <a:t>侧重动手能力，要求作出明确结果</a:t>
             </a:r>
             <a:endParaRPr lang="en-US" altLang="zh-CN" dirty="0" smtClean="0"/>
           </a:p>
@@ -23528,22 +23755,14 @@
           <a:p>
             <a:r>
               <a:rPr lang="zh-CN" altLang="en-US" dirty="0" smtClean="0"/>
-              <a:t>保证</a:t>
+              <a:t>保证到课</a:t>
             </a:r>
+            <a:endParaRPr lang="en-US" altLang="zh-CN" dirty="0" smtClean="0"/>
+          </a:p>
+          <a:p>
             <a:r>
               <a:rPr lang="zh-CN" altLang="en-US" dirty="0" smtClean="0"/>
-              <a:t>到课</a:t>
-            </a:r>
-            <a:endParaRPr lang="en-US" altLang="zh-CN" dirty="0" smtClean="0"/>
-          </a:p>
-          <a:p>
-            <a:r>
-              <a:rPr lang="zh-CN" altLang="en-US" dirty="0" smtClean="0"/>
-              <a:t>平时</a:t>
-            </a:r>
-            <a:r>
-              <a:rPr lang="zh-CN" altLang="en-US" dirty="0" smtClean="0"/>
-              <a:t>成绩以作业为依据</a:t>
+              <a:t>平时成绩以作业为依据</a:t>
             </a:r>
             <a:endParaRPr lang="en-US" altLang="zh-CN" dirty="0" smtClean="0"/>
           </a:p>
@@ -23806,13 +24025,6 @@
                 </a:rPr>
                 <a:t>期末考试重点为理论部分，即：系统动力学，实验部分以作业考核方式纳入成绩</a:t>
               </a:r>
-              <a:endParaRPr lang="zh-CN" altLang="en-US" sz="1600" dirty="0" smtClean="0">
-                <a:solidFill>
-                  <a:sysClr val="windowText" lastClr="000000"/>
-                </a:solidFill>
-                <a:latin typeface="Segoe UI" pitchFamily="34" charset="0"/>
-                <a:cs typeface="Segoe UI" pitchFamily="34" charset="0"/>
-              </a:endParaRPr>
             </a:p>
           </p:txBody>
         </p:sp>
@@ -24877,11 +25089,7 @@
           <a:p>
             <a:r>
               <a:rPr lang="zh-CN" altLang="en-US" dirty="0" smtClean="0"/>
-              <a:t>前期</a:t>
-            </a:r>
-            <a:r>
-              <a:rPr lang="zh-CN" altLang="en-US" dirty="0" smtClean="0"/>
-              <a:t>基础课：</a:t>
+              <a:t>前期基础课：</a:t>
             </a:r>
             <a:endParaRPr lang="en-US" altLang="zh-CN" dirty="0" smtClean="0"/>
           </a:p>
@@ -25561,11 +25769,17 @@
 
 <file path=customXml/item1.xml><?xml version="1.0" encoding="utf-8"?>
 <Control xmlns="http://schemas.microsoft.com/VisualStudio/2011/storyboarding/control">
-  <Id Name="System.Storyboarding.Common.DragSelection" Revision="1" Stencil="System.Storyboarding.Common" StencilVersion="0.1"/>
+  <Id Name="System.Storyboarding.Annotation.StickyNote" Revision="1" Stencil="System.Storyboarding.Annotation" StencilVersion="0.1"/>
 </Control>
 </file>
 
 <file path=customXml/item2.xml><?xml version="1.0" encoding="utf-8"?>
+<Control xmlns="http://schemas.microsoft.com/VisualStudio/2011/storyboarding/control">
+  <Id Name="5e505f8e-b0aa-429a-bb4c-92ab0e8a8ee6" RevisionId="d2083f08-ba4f-4330-87aa-e4d23a4443d7" Stencil="172d6d98-e5c9-42e9-a209-79f7a94bbd38" StencilRevisionId="00000000-0000-0000-0000-000000000000" StencilVersion="0.0"/>
+</Control>
+</file>
+
+<file path=customXml/item3.xml><?xml version="1.0" encoding="utf-8"?>
 <p:properties xmlns:p="http://schemas.microsoft.com/office/2006/metadata/properties" xmlns:xsi="http://www.w3.org/2001/XMLSchema-instance" xmlns:pc="http://schemas.microsoft.com/office/infopath/2007/PartnerControls">
   <documentManagement>
     <_dlc_DocId xmlns="b4ebf394-daf6-497a-96c5-a2f8c10b38cf">TT6HZDVJM2HV-178-321</_dlc_DocId>
@@ -25577,33 +25791,27 @@
 </p:properties>
 </file>
 
-<file path=customXml/item3.xml><?xml version="1.0" encoding="utf-8"?>
-<Control xmlns="http://schemas.microsoft.com/VisualStudio/2011/storyboarding/control">
-  <Id Name="System.Storyboarding.Annotation.StickyNote" Revision="1" Stencil="System.Storyboarding.Annotation" StencilVersion="0.1"/>
-</Control>
-</file>
-
 <file path=customXml/item4.xml><?xml version="1.0" encoding="utf-8"?>
 <Control xmlns="http://schemas.microsoft.com/VisualStudio/2011/storyboarding/control">
-  <Id Name="System.Storyboarding.WindowsApps.WindowsAppsListBox" Revision="1" Stencil="System.Storyboarding.WindowsApps" StencilVersion="0.1"/>
+  <Id Name="System.Storyboarding.Common.DragSelection" Revision="1" Stencil="System.Storyboarding.Common" StencilVersion="0.1"/>
 </Control>
 </file>
 
 <file path=customXml/item5.xml><?xml version="1.0" encoding="utf-8"?>
 <Control xmlns="http://schemas.microsoft.com/VisualStudio/2011/storyboarding/control">
-  <Id Name="System.Storyboarding.WindowsApps.WindowsAppsProgressRing" Revision="1" Stencil="System.Storyboarding.WindowsApps" StencilVersion="0.1"/>
+  <Id Name="System.Storyboarding.Common.TextInput" Revision="1" Stencil="System.Storyboarding.Common" StencilVersion="0.1"/>
 </Control>
 </file>
 
 <file path=customXml/item6.xml><?xml version="1.0" encoding="utf-8"?>
 <Control xmlns="http://schemas.microsoft.com/VisualStudio/2011/storyboarding/control">
-  <Id Name="System.Storyboarding.Common.TextInput" Revision="1" Stencil="System.Storyboarding.Common" StencilVersion="0.1"/>
+  <Id Name="System.Storyboarding.WindowsApps.WindowsAppsProgressRing" Revision="1" Stencil="System.Storyboarding.WindowsApps" StencilVersion="0.1"/>
 </Control>
 </file>
 
 <file path=customXml/item7.xml><?xml version="1.0" encoding="utf-8"?>
 <Control xmlns="http://schemas.microsoft.com/VisualStudio/2011/storyboarding/control">
-  <Id Name="5e505f8e-b0aa-429a-bb4c-92ab0e8a8ee6" RevisionId="d2083f08-ba4f-4330-87aa-e4d23a4443d7" Stencil="172d6d98-e5c9-42e9-a209-79f7a94bbd38" StencilRevisionId="00000000-0000-0000-0000-000000000000" StencilVersion="0.0"/>
+  <Id Name="System.Storyboarding.WindowsApps.WindowsAppsListBox" Revision="1" Stencil="System.Storyboarding.WindowsApps" StencilVersion="0.1"/>
 </Control>
 </file>
 
@@ -25614,7 +25822,7 @@
 </file>
 
 <file path=customXml/itemProps1.xml><?xml version="1.0" encoding="utf-8"?>
-<ds:datastoreItem xmlns:ds="http://schemas.openxmlformats.org/officeDocument/2006/customXml" ds:itemID="{74F50758-6994-47AF-ADB4-84074E43B95D}">
+<ds:datastoreItem xmlns:ds="http://schemas.openxmlformats.org/officeDocument/2006/customXml" ds:itemID="{35CD12A2-2187-402A-B9D9-EF68624DB0B9}">
   <ds:schemaRefs>
     <ds:schemaRef ds:uri="http://schemas.microsoft.com/VisualStudio/2011/storyboarding/control"/>
   </ds:schemaRefs>
@@ -25622,6 +25830,14 @@
 </file>
 
 <file path=customXml/itemProps2.xml><?xml version="1.0" encoding="utf-8"?>
+<ds:datastoreItem xmlns:ds="http://schemas.openxmlformats.org/officeDocument/2006/customXml" ds:itemID="{22271091-DDCE-44B5-B608-BB96BCA0C299}">
+  <ds:schemaRefs>
+    <ds:schemaRef ds:uri="http://schemas.microsoft.com/VisualStudio/2011/storyboarding/control"/>
+  </ds:schemaRefs>
+</ds:datastoreItem>
+</file>
+
+<file path=customXml/itemProps3.xml><?xml version="1.0" encoding="utf-8"?>
 <ds:datastoreItem xmlns:ds="http://schemas.openxmlformats.org/officeDocument/2006/customXml" ds:itemID="{1322E1B6-B69B-4B1E-9F64-FFB1E4A65691}">
   <ds:schemaRefs>
     <ds:schemaRef ds:uri="http://schemas.microsoft.com/office/2006/metadata/properties"/>
@@ -25631,16 +25847,8 @@
 </ds:datastoreItem>
 </file>
 
-<file path=customXml/itemProps3.xml><?xml version="1.0" encoding="utf-8"?>
-<ds:datastoreItem xmlns:ds="http://schemas.openxmlformats.org/officeDocument/2006/customXml" ds:itemID="{35CD12A2-2187-402A-B9D9-EF68624DB0B9}">
-  <ds:schemaRefs>
-    <ds:schemaRef ds:uri="http://schemas.microsoft.com/VisualStudio/2011/storyboarding/control"/>
-  </ds:schemaRefs>
-</ds:datastoreItem>
-</file>
-
 <file path=customXml/itemProps4.xml><?xml version="1.0" encoding="utf-8"?>
-<ds:datastoreItem xmlns:ds="http://schemas.openxmlformats.org/officeDocument/2006/customXml" ds:itemID="{925928FA-66B2-4992-9AF7-6AAB34665E06}">
+<ds:datastoreItem xmlns:ds="http://schemas.openxmlformats.org/officeDocument/2006/customXml" ds:itemID="{74F50758-6994-47AF-ADB4-84074E43B95D}">
   <ds:schemaRefs>
     <ds:schemaRef ds:uri="http://schemas.microsoft.com/VisualStudio/2011/storyboarding/control"/>
   </ds:schemaRefs>
@@ -25648,6 +25856,14 @@
 </file>
 
 <file path=customXml/itemProps5.xml><?xml version="1.0" encoding="utf-8"?>
+<ds:datastoreItem xmlns:ds="http://schemas.openxmlformats.org/officeDocument/2006/customXml" ds:itemID="{195C3A57-25C5-4CAC-A396-8711CE839175}">
+  <ds:schemaRefs>
+    <ds:schemaRef ds:uri="http://schemas.microsoft.com/VisualStudio/2011/storyboarding/control"/>
+  </ds:schemaRefs>
+</ds:datastoreItem>
+</file>
+
+<file path=customXml/itemProps6.xml><?xml version="1.0" encoding="utf-8"?>
 <ds:datastoreItem xmlns:ds="http://schemas.openxmlformats.org/officeDocument/2006/customXml" ds:itemID="{EE994FE8-9D1B-4C75-9803-F4D3D8088B5B}">
   <ds:schemaRefs>
     <ds:schemaRef ds:uri="http://schemas.microsoft.com/VisualStudio/2011/storyboarding/control"/>
@@ -25655,16 +25871,8 @@
 </ds:datastoreItem>
 </file>
 
-<file path=customXml/itemProps6.xml><?xml version="1.0" encoding="utf-8"?>
-<ds:datastoreItem xmlns:ds="http://schemas.openxmlformats.org/officeDocument/2006/customXml" ds:itemID="{195C3A57-25C5-4CAC-A396-8711CE839175}">
-  <ds:schemaRefs>
-    <ds:schemaRef ds:uri="http://schemas.microsoft.com/VisualStudio/2011/storyboarding/control"/>
-  </ds:schemaRefs>
-</ds:datastoreItem>
-</file>
-
 <file path=customXml/itemProps7.xml><?xml version="1.0" encoding="utf-8"?>
-<ds:datastoreItem xmlns:ds="http://schemas.openxmlformats.org/officeDocument/2006/customXml" ds:itemID="{22271091-DDCE-44B5-B608-BB96BCA0C299}">
+<ds:datastoreItem xmlns:ds="http://schemas.openxmlformats.org/officeDocument/2006/customXml" ds:itemID="{925928FA-66B2-4992-9AF7-6AAB34665E06}">
   <ds:schemaRefs>
     <ds:schemaRef ds:uri="http://schemas.microsoft.com/VisualStudio/2011/storyboarding/control"/>
   </ds:schemaRefs>

--- a/系统仿真-1-概述.pptx
+++ b/系统仿真-1-概述.pptx
@@ -10817,7 +10817,7 @@
                 <a:latin typeface="微软雅黑" panose="020B0503020204020204" pitchFamily="34" charset="-122"/>
                 <a:ea typeface="微软雅黑" panose="020B0503020204020204" pitchFamily="34" charset="-122"/>
               </a:rPr>
-              <a:t>2019年2月28日</a:t>
+              <a:t>2019年3月14日</a:t>
             </a:fld>
             <a:endParaRPr lang="zh-CN" altLang="en-US" dirty="0">
               <a:latin typeface="微软雅黑" panose="020B0503020204020204" pitchFamily="34" charset="-122"/>
@@ -11009,7 +11009,7 @@
             <a:fld id="{07D6BDDC-F39A-4E16-93D6-E40B88AA6D58}" type="datetime2">
               <a:rPr lang="zh-CN" altLang="en-US" smtClean="0"/>
               <a:pPr/>
-              <a:t>2019年2月28日</a:t>
+              <a:t>2019年3月14日</a:t>
             </a:fld>
             <a:endParaRPr lang="zh-CN" altLang="en-US" dirty="0"/>
           </a:p>
@@ -12327,7 +12327,7 @@
             <a:fld id="{4947C3F0-2957-4D41-9FB7-182757A04D67}" type="datetime2">
               <a:rPr lang="zh-CN" altLang="en-US" smtClean="0"/>
               <a:pPr/>
-              <a:t>2019年2月28日</a:t>
+              <a:t>2019年3月14日</a:t>
             </a:fld>
             <a:endParaRPr lang="zh-CN" altLang="en-US" dirty="0"/>
           </a:p>
@@ -12560,7 +12560,7 @@
             <a:fld id="{8DF8E148-EC1F-43A2-8C9E-1F57F6D08A76}" type="datetime2">
               <a:rPr lang="zh-CN" altLang="en-US" smtClean="0"/>
               <a:pPr/>
-              <a:t>2019年2月28日</a:t>
+              <a:t>2019年3月14日</a:t>
             </a:fld>
             <a:endParaRPr lang="zh-CN" altLang="en-US" dirty="0"/>
           </a:p>
@@ -13443,7 +13443,7 @@
             <a:fld id="{FB7B4C11-1E14-4887-9E78-A9346EC068F1}" type="datetime2">
               <a:rPr lang="zh-CN" altLang="en-US" smtClean="0"/>
               <a:pPr/>
-              <a:t>2019年2月28日</a:t>
+              <a:t>2019年3月14日</a:t>
             </a:fld>
             <a:endParaRPr lang="zh-CN" altLang="en-US" dirty="0"/>
           </a:p>
@@ -13702,7 +13702,7 @@
             <a:fld id="{86FD5D46-E987-42B2-B42C-B8920598FADE}" type="datetime2">
               <a:rPr lang="zh-CN" altLang="en-US" smtClean="0"/>
               <a:pPr/>
-              <a:t>2019年2月28日</a:t>
+              <a:t>2019年3月14日</a:t>
             </a:fld>
             <a:endParaRPr lang="zh-CN" altLang="en-US" dirty="0"/>
           </a:p>
@@ -15036,7 +15036,7 @@
             <a:fld id="{8365F240-A7EF-41C8-A85B-C448CF84B5E5}" type="datetime2">
               <a:rPr lang="zh-CN" altLang="en-US" smtClean="0"/>
               <a:pPr/>
-              <a:t>2019年2月28日</a:t>
+              <a:t>2019年3月14日</a:t>
             </a:fld>
             <a:endParaRPr lang="zh-CN" altLang="en-US" dirty="0"/>
           </a:p>
@@ -15371,7 +15371,7 @@
             <a:fld id="{F770B30E-8728-44DB-AEE3-E4A75AEDBBD9}" type="datetime2">
               <a:rPr lang="zh-CN" altLang="en-US" smtClean="0"/>
               <a:pPr/>
-              <a:t>2019年2月28日</a:t>
+              <a:t>2019年3月14日</a:t>
             </a:fld>
             <a:endParaRPr lang="zh-CN" altLang="en-US" dirty="0"/>
           </a:p>
@@ -15872,7 +15872,7 @@
             <a:fld id="{680BCF82-A51A-4389-A573-378AD02C5141}" type="datetime2">
               <a:rPr lang="zh-CN" altLang="en-US" smtClean="0"/>
               <a:pPr/>
-              <a:t>2019年2月28日</a:t>
+              <a:t>2019年3月14日</a:t>
             </a:fld>
             <a:endParaRPr lang="zh-CN" altLang="en-US" dirty="0"/>
           </a:p>
@@ -16027,7 +16027,7 @@
             <a:fld id="{CE03A716-E3DC-4D9D-823C-60FCD8C9B163}" type="datetime2">
               <a:rPr lang="zh-CN" altLang="en-US" smtClean="0"/>
               <a:pPr/>
-              <a:t>2019年2月28日</a:t>
+              <a:t>2019年3月14日</a:t>
             </a:fld>
             <a:endParaRPr lang="zh-CN" altLang="en-US" dirty="0"/>
           </a:p>
@@ -16387,7 +16387,7 @@
             <a:fld id="{C16B8A94-44E5-4844-A22C-F796FCAA90D9}" type="datetime2">
               <a:rPr lang="zh-CN" altLang="en-US" smtClean="0"/>
               <a:pPr/>
-              <a:t>2019年2月28日</a:t>
+              <a:t>2019年3月14日</a:t>
             </a:fld>
             <a:endParaRPr lang="zh-CN" altLang="en-US" dirty="0"/>
           </a:p>
@@ -16929,7 +16929,7 @@
             <a:fld id="{F288B2AC-AC0A-4E49-82A3-94EE74FA7FBF}" type="datetime2">
               <a:rPr lang="zh-CN" altLang="en-US" smtClean="0"/>
               <a:pPr/>
-              <a:t>2019年2月28日</a:t>
+              <a:t>2019年3月14日</a:t>
             </a:fld>
             <a:endParaRPr lang="zh-CN" altLang="en-US" dirty="0"/>
           </a:p>
@@ -17422,7 +17422,7 @@
             <a:fld id="{1878E339-1BD2-4FEE-A113-9A0301740CF6}" type="datetime2">
               <a:rPr lang="zh-CN" altLang="en-US" smtClean="0"/>
               <a:pPr/>
-              <a:t>2019年2月28日</a:t>
+              <a:t>2019年3月14日</a:t>
             </a:fld>
             <a:endParaRPr lang="zh-CN" altLang="en-US" dirty="0"/>
           </a:p>
@@ -18346,7 +18346,7 @@
             <a:fld id="{A339CB27-C670-4AAB-948C-7E3D1D9FAE30}" type="datetime2">
               <a:rPr lang="zh-CN" altLang="en-US" smtClean="0"/>
               <a:pPr/>
-              <a:t>2019年2月28日</a:t>
+              <a:t>2019年3月14日</a:t>
             </a:fld>
             <a:endParaRPr lang="zh-CN" altLang="en-US" dirty="0"/>
           </a:p>
@@ -18837,6 +18837,20 @@
           <a:p>
             <a:pPr rtl="0"/>
             <a:r>
+              <a:rPr lang="zh-CN" altLang="en-US">
+                <a:latin typeface="Arial" panose="020B0604020202020204" pitchFamily="34" charset="0"/>
+                <a:sym typeface="Arial" panose="020B0604020202020204" pitchFamily="34" charset="0"/>
+              </a:rPr>
+              <a:t>第一</a:t>
+            </a:r>
+            <a:r>
+              <a:rPr lang="zh-CN" altLang="en-US" smtClean="0">
+                <a:latin typeface="Arial" panose="020B0604020202020204" pitchFamily="34" charset="0"/>
+                <a:sym typeface="Arial" panose="020B0604020202020204" pitchFamily="34" charset="0"/>
+              </a:rPr>
+              <a:t>节 </a:t>
+            </a:r>
+            <a:r>
               <a:rPr lang="zh-CN" altLang="en-US" smtClean="0">
                 <a:latin typeface="Arial" panose="020B0604020202020204" pitchFamily="34" charset="0"/>
                 <a:sym typeface="Arial" panose="020B0604020202020204" pitchFamily="34" charset="0"/>
@@ -18844,27 +18858,20 @@
               <a:t>概述</a:t>
             </a:r>
             <a:r>
-              <a:rPr lang="en-US" altLang="zh-CN" smtClean="0">
+              <a:rPr lang="en-US" altLang="zh-CN" dirty="0" smtClean="0">
                 <a:latin typeface="Arial" panose="020B0604020202020204" pitchFamily="34" charset="0"/>
                 <a:sym typeface="Arial" panose="020B0604020202020204" pitchFamily="34" charset="0"/>
               </a:rPr>
               <a:t>-</a:t>
             </a:r>
             <a:r>
-              <a:rPr lang="zh-CN" altLang="en-US" smtClean="0">
+              <a:rPr lang="zh-CN" altLang="en-US" dirty="0" smtClean="0">
                 <a:latin typeface="Arial" panose="020B0604020202020204" pitchFamily="34" charset="0"/>
                 <a:sym typeface="Arial" panose="020B0604020202020204" pitchFamily="34" charset="0"/>
               </a:rPr>
               <a:t>课程准备工作</a:t>
             </a:r>
-            <a:endParaRPr lang="en-US" altLang="zh-CN" smtClean="0">
-              <a:latin typeface="Arial" panose="020B0604020202020204" pitchFamily="34" charset="0"/>
-              <a:sym typeface="Arial" panose="020B0604020202020204" pitchFamily="34" charset="0"/>
-            </a:endParaRPr>
-          </a:p>
-          <a:p>
-            <a:pPr rtl="0"/>
-            <a:endParaRPr lang="en-US" altLang="zh-CN">
+            <a:endParaRPr lang="en-US" altLang="zh-CN" dirty="0" smtClean="0">
               <a:latin typeface="Arial" panose="020B0604020202020204" pitchFamily="34" charset="0"/>
               <a:sym typeface="Arial" panose="020B0604020202020204" pitchFamily="34" charset="0"/>
             </a:endParaRPr>
@@ -18877,16 +18884,23 @@
             </a:endParaRPr>
           </a:p>
           <a:p>
+            <a:pPr rtl="0"/>
+            <a:endParaRPr lang="en-US" altLang="zh-CN" dirty="0">
+              <a:latin typeface="Arial" panose="020B0604020202020204" pitchFamily="34" charset="0"/>
+              <a:sym typeface="Arial" panose="020B0604020202020204" pitchFamily="34" charset="0"/>
+            </a:endParaRPr>
+          </a:p>
+          <a:p>
             <a:pPr algn="ctr" rtl="0"/>
             <a:r>
-              <a:rPr lang="zh-CN" altLang="en-US" sz="2400" smtClean="0">
+              <a:rPr lang="zh-CN" altLang="en-US" sz="2400" dirty="0" smtClean="0">
                 <a:latin typeface="华文行楷" panose="02010800040101010101" pitchFamily="2" charset="-122"/>
                 <a:ea typeface="华文行楷" panose="02010800040101010101" pitchFamily="2" charset="-122"/>
                 <a:sym typeface="Arial" panose="020B0604020202020204" pitchFamily="34" charset="0"/>
               </a:rPr>
               <a:t>南京审计大学 商学院</a:t>
             </a:r>
-            <a:endParaRPr lang="en-US" altLang="zh-CN" sz="2400" smtClean="0">
+            <a:endParaRPr lang="en-US" altLang="zh-CN" sz="2400" dirty="0" smtClean="0">
               <a:latin typeface="华文行楷" panose="02010800040101010101" pitchFamily="2" charset="-122"/>
               <a:ea typeface="华文行楷" panose="02010800040101010101" pitchFamily="2" charset="-122"/>
               <a:sym typeface="Arial" panose="020B0604020202020204" pitchFamily="34" charset="0"/>
@@ -25769,17 +25783,41 @@
 
 <file path=customXml/item1.xml><?xml version="1.0" encoding="utf-8"?>
 <Control xmlns="http://schemas.microsoft.com/VisualStudio/2011/storyboarding/control">
-  <Id Name="System.Storyboarding.Annotation.StickyNote" Revision="1" Stencil="System.Storyboarding.Annotation" StencilVersion="0.1"/>
+  <Id Name="5e505f8e-b0aa-429a-bb4c-92ab0e8a8ee6" RevisionId="d2083f08-ba4f-4330-87aa-e4d23a4443d7" Stencil="172d6d98-e5c9-42e9-a209-79f7a94bbd38" StencilRevisionId="00000000-0000-0000-0000-000000000000" StencilVersion="0.0"/>
 </Control>
 </file>
 
 <file path=customXml/item2.xml><?xml version="1.0" encoding="utf-8"?>
 <Control xmlns="http://schemas.microsoft.com/VisualStudio/2011/storyboarding/control">
-  <Id Name="5e505f8e-b0aa-429a-bb4c-92ab0e8a8ee6" RevisionId="d2083f08-ba4f-4330-87aa-e4d23a4443d7" Stencil="172d6d98-e5c9-42e9-a209-79f7a94bbd38" StencilRevisionId="00000000-0000-0000-0000-000000000000" StencilVersion="0.0"/>
+  <Id Name="System.Storyboarding.Annotation.StickyNote" Revision="1" Stencil="System.Storyboarding.Annotation" StencilVersion="0.1"/>
 </Control>
 </file>
 
 <file path=customXml/item3.xml><?xml version="1.0" encoding="utf-8"?>
+<Control xmlns="http://schemas.microsoft.com/VisualStudio/2011/storyboarding/control">
+  <Id Name="System.Storyboarding.WindowsApps.WindowsAppsProgressRing" Revision="1" Stencil="System.Storyboarding.WindowsApps" StencilVersion="0.1"/>
+</Control>
+</file>
+
+<file path=customXml/item4.xml><?xml version="1.0" encoding="utf-8"?>
+<Control xmlns="http://schemas.microsoft.com/VisualStudio/2011/storyboarding/control">
+  <Id Name="System.Storyboarding.Common.TextInput" Revision="1" Stencil="System.Storyboarding.Common" StencilVersion="0.1"/>
+</Control>
+</file>
+
+<file path=customXml/item5.xml><?xml version="1.0" encoding="utf-8"?>
+<Control xmlns="http://schemas.microsoft.com/VisualStudio/2011/storyboarding/control">
+  <Id Name="System.Storyboarding.Common.DragSelection" Revision="1" Stencil="System.Storyboarding.Common" StencilVersion="0.1"/>
+</Control>
+</file>
+
+<file path=customXml/item6.xml><?xml version="1.0" encoding="utf-8"?>
+<Control xmlns="http://schemas.microsoft.com/VisualStudio/2011/storyboarding/control">
+  <Id Name="System.Storyboarding.Annotation.StickyNote" Revision="1" Stencil="System.Storyboarding.Annotation" StencilVersion="0.1"/>
+</Control>
+</file>
+
+<file path=customXml/item7.xml><?xml version="1.0" encoding="utf-8"?>
 <p:properties xmlns:p="http://schemas.microsoft.com/office/2006/metadata/properties" xmlns:xsi="http://www.w3.org/2001/XMLSchema-instance" xmlns:pc="http://schemas.microsoft.com/office/infopath/2007/PartnerControls">
   <documentManagement>
     <_dlc_DocId xmlns="b4ebf394-daf6-497a-96c5-a2f8c10b38cf">TT6HZDVJM2HV-178-321</_dlc_DocId>
@@ -25791,37 +25829,21 @@
 </p:properties>
 </file>
 
-<file path=customXml/item4.xml><?xml version="1.0" encoding="utf-8"?>
-<Control xmlns="http://schemas.microsoft.com/VisualStudio/2011/storyboarding/control">
-  <Id Name="System.Storyboarding.Common.DragSelection" Revision="1" Stencil="System.Storyboarding.Common" StencilVersion="0.1"/>
-</Control>
-</file>
-
-<file path=customXml/item5.xml><?xml version="1.0" encoding="utf-8"?>
-<Control xmlns="http://schemas.microsoft.com/VisualStudio/2011/storyboarding/control">
-  <Id Name="System.Storyboarding.Common.TextInput" Revision="1" Stencil="System.Storyboarding.Common" StencilVersion="0.1"/>
-</Control>
-</file>
-
-<file path=customXml/item6.xml><?xml version="1.0" encoding="utf-8"?>
-<Control xmlns="http://schemas.microsoft.com/VisualStudio/2011/storyboarding/control">
-  <Id Name="System.Storyboarding.WindowsApps.WindowsAppsProgressRing" Revision="1" Stencil="System.Storyboarding.WindowsApps" StencilVersion="0.1"/>
-</Control>
-</file>
-
-<file path=customXml/item7.xml><?xml version="1.0" encoding="utf-8"?>
+<file path=customXml/item8.xml><?xml version="1.0" encoding="utf-8"?>
 <Control xmlns="http://schemas.microsoft.com/VisualStudio/2011/storyboarding/control">
   <Id Name="System.Storyboarding.WindowsApps.WindowsAppsListBox" Revision="1" Stencil="System.Storyboarding.WindowsApps" StencilVersion="0.1"/>
 </Control>
 </file>
 
-<file path=customXml/item8.xml><?xml version="1.0" encoding="utf-8"?>
-<Control xmlns="http://schemas.microsoft.com/VisualStudio/2011/storyboarding/control">
-  <Id Name="System.Storyboarding.Annotation.StickyNote" Revision="1" Stencil="System.Storyboarding.Annotation" StencilVersion="0.1"/>
-</Control>
+<file path=customXml/itemProps1.xml><?xml version="1.0" encoding="utf-8"?>
+<ds:datastoreItem xmlns:ds="http://schemas.openxmlformats.org/officeDocument/2006/customXml" ds:itemID="{22271091-DDCE-44B5-B608-BB96BCA0C299}">
+  <ds:schemaRefs>
+    <ds:schemaRef ds:uri="http://schemas.microsoft.com/VisualStudio/2011/storyboarding/control"/>
+  </ds:schemaRefs>
+</ds:datastoreItem>
 </file>
 
-<file path=customXml/itemProps1.xml><?xml version="1.0" encoding="utf-8"?>
+<file path=customXml/itemProps2.xml><?xml version="1.0" encoding="utf-8"?>
 <ds:datastoreItem xmlns:ds="http://schemas.openxmlformats.org/officeDocument/2006/customXml" ds:itemID="{35CD12A2-2187-402A-B9D9-EF68624DB0B9}">
   <ds:schemaRefs>
     <ds:schemaRef ds:uri="http://schemas.microsoft.com/VisualStudio/2011/storyboarding/control"/>
@@ -25829,15 +25851,39 @@
 </ds:datastoreItem>
 </file>
 
-<file path=customXml/itemProps2.xml><?xml version="1.0" encoding="utf-8"?>
-<ds:datastoreItem xmlns:ds="http://schemas.openxmlformats.org/officeDocument/2006/customXml" ds:itemID="{22271091-DDCE-44B5-B608-BB96BCA0C299}">
+<file path=customXml/itemProps3.xml><?xml version="1.0" encoding="utf-8"?>
+<ds:datastoreItem xmlns:ds="http://schemas.openxmlformats.org/officeDocument/2006/customXml" ds:itemID="{EE994FE8-9D1B-4C75-9803-F4D3D8088B5B}">
   <ds:schemaRefs>
     <ds:schemaRef ds:uri="http://schemas.microsoft.com/VisualStudio/2011/storyboarding/control"/>
   </ds:schemaRefs>
 </ds:datastoreItem>
 </file>
 
-<file path=customXml/itemProps3.xml><?xml version="1.0" encoding="utf-8"?>
+<file path=customXml/itemProps4.xml><?xml version="1.0" encoding="utf-8"?>
+<ds:datastoreItem xmlns:ds="http://schemas.openxmlformats.org/officeDocument/2006/customXml" ds:itemID="{195C3A57-25C5-4CAC-A396-8711CE839175}">
+  <ds:schemaRefs>
+    <ds:schemaRef ds:uri="http://schemas.microsoft.com/VisualStudio/2011/storyboarding/control"/>
+  </ds:schemaRefs>
+</ds:datastoreItem>
+</file>
+
+<file path=customXml/itemProps5.xml><?xml version="1.0" encoding="utf-8"?>
+<ds:datastoreItem xmlns:ds="http://schemas.openxmlformats.org/officeDocument/2006/customXml" ds:itemID="{74F50758-6994-47AF-ADB4-84074E43B95D}">
+  <ds:schemaRefs>
+    <ds:schemaRef ds:uri="http://schemas.microsoft.com/VisualStudio/2011/storyboarding/control"/>
+  </ds:schemaRefs>
+</ds:datastoreItem>
+</file>
+
+<file path=customXml/itemProps6.xml><?xml version="1.0" encoding="utf-8"?>
+<ds:datastoreItem xmlns:ds="http://schemas.openxmlformats.org/officeDocument/2006/customXml" ds:itemID="{DA9AD0B9-FF65-4FA1-BA6B-4E7EE14AEFD0}">
+  <ds:schemaRefs>
+    <ds:schemaRef ds:uri="http://schemas.microsoft.com/VisualStudio/2011/storyboarding/control"/>
+  </ds:schemaRefs>
+</ds:datastoreItem>
+</file>
+
+<file path=customXml/itemProps7.xml><?xml version="1.0" encoding="utf-8"?>
 <ds:datastoreItem xmlns:ds="http://schemas.openxmlformats.org/officeDocument/2006/customXml" ds:itemID="{1322E1B6-B69B-4B1E-9F64-FFB1E4A65691}">
   <ds:schemaRefs>
     <ds:schemaRef ds:uri="http://schemas.microsoft.com/office/2006/metadata/properties"/>
@@ -25847,42 +25893,10 @@
 </ds:datastoreItem>
 </file>
 
-<file path=customXml/itemProps4.xml><?xml version="1.0" encoding="utf-8"?>
-<ds:datastoreItem xmlns:ds="http://schemas.openxmlformats.org/officeDocument/2006/customXml" ds:itemID="{74F50758-6994-47AF-ADB4-84074E43B95D}">
-  <ds:schemaRefs>
-    <ds:schemaRef ds:uri="http://schemas.microsoft.com/VisualStudio/2011/storyboarding/control"/>
-  </ds:schemaRefs>
-</ds:datastoreItem>
-</file>
-
-<file path=customXml/itemProps5.xml><?xml version="1.0" encoding="utf-8"?>
-<ds:datastoreItem xmlns:ds="http://schemas.openxmlformats.org/officeDocument/2006/customXml" ds:itemID="{195C3A57-25C5-4CAC-A396-8711CE839175}">
-  <ds:schemaRefs>
-    <ds:schemaRef ds:uri="http://schemas.microsoft.com/VisualStudio/2011/storyboarding/control"/>
-  </ds:schemaRefs>
-</ds:datastoreItem>
-</file>
-
-<file path=customXml/itemProps6.xml><?xml version="1.0" encoding="utf-8"?>
-<ds:datastoreItem xmlns:ds="http://schemas.openxmlformats.org/officeDocument/2006/customXml" ds:itemID="{EE994FE8-9D1B-4C75-9803-F4D3D8088B5B}">
-  <ds:schemaRefs>
-    <ds:schemaRef ds:uri="http://schemas.microsoft.com/VisualStudio/2011/storyboarding/control"/>
-  </ds:schemaRefs>
-</ds:datastoreItem>
-</file>
-
-<file path=customXml/itemProps7.xml><?xml version="1.0" encoding="utf-8"?>
+<file path=customXml/itemProps8.xml><?xml version="1.0" encoding="utf-8"?>
 <ds:datastoreItem xmlns:ds="http://schemas.openxmlformats.org/officeDocument/2006/customXml" ds:itemID="{925928FA-66B2-4992-9AF7-6AAB34665E06}">
   <ds:schemaRefs>
     <ds:schemaRef ds:uri="http://schemas.microsoft.com/VisualStudio/2011/storyboarding/control"/>
   </ds:schemaRefs>
 </ds:datastoreItem>
-</file>
-
-<file path=customXml/itemProps8.xml><?xml version="1.0" encoding="utf-8"?>
-<ds:datastoreItem xmlns:ds="http://schemas.openxmlformats.org/officeDocument/2006/customXml" ds:itemID="{DA9AD0B9-FF65-4FA1-BA6B-4E7EE14AEFD0}">
-  <ds:schemaRefs>
-    <ds:schemaRef ds:uri="http://schemas.microsoft.com/VisualStudio/2011/storyboarding/control"/>
-  </ds:schemaRefs>
-</ds:datastoreItem>
 </file>